--- a/Review 3.pptx
+++ b/Review 3.pptx
@@ -348,7 +348,7 @@
           <a:p>
             <a:fld id="{B28743B1-496D-4D3F-BDE4-2BF47561CF17}" type="datetimeFigureOut">
               <a:rPr lang="en-US" smtClean="0"/>
-              <a:t>4/24/2022</a:t>
+              <a:t>4/27/2022</a:t>
             </a:fld>
             <a:endParaRPr lang="en-US"/>
           </a:p>
@@ -556,7 +556,7 @@
           <a:p>
             <a:fld id="{B28743B1-496D-4D3F-BDE4-2BF47561CF17}" type="datetimeFigureOut">
               <a:rPr lang="en-US" smtClean="0"/>
-              <a:t>4/24/2022</a:t>
+              <a:t>4/27/2022</a:t>
             </a:fld>
             <a:endParaRPr lang="en-US"/>
           </a:p>
@@ -812,7 +812,7 @@
           <a:p>
             <a:fld id="{B28743B1-496D-4D3F-BDE4-2BF47561CF17}" type="datetimeFigureOut">
               <a:rPr lang="en-US" smtClean="0"/>
-              <a:t>4/24/2022</a:t>
+              <a:t>4/27/2022</a:t>
             </a:fld>
             <a:endParaRPr lang="en-US"/>
           </a:p>
@@ -986,7 +986,7 @@
           <a:p>
             <a:fld id="{B28743B1-496D-4D3F-BDE4-2BF47561CF17}" type="datetimeFigureOut">
               <a:rPr lang="en-US" smtClean="0"/>
-              <a:t>4/24/2022</a:t>
+              <a:t>4/27/2022</a:t>
             </a:fld>
             <a:endParaRPr lang="en-US"/>
           </a:p>
@@ -1329,7 +1329,7 @@
           <a:p>
             <a:fld id="{B28743B1-496D-4D3F-BDE4-2BF47561CF17}" type="datetimeFigureOut">
               <a:rPr lang="en-US" smtClean="0"/>
-              <a:t>4/24/2022</a:t>
+              <a:t>4/27/2022</a:t>
             </a:fld>
             <a:endParaRPr lang="en-US"/>
           </a:p>
@@ -1604,7 +1604,7 @@
           <a:p>
             <a:fld id="{B28743B1-496D-4D3F-BDE4-2BF47561CF17}" type="datetimeFigureOut">
               <a:rPr lang="en-US" smtClean="0"/>
-              <a:t>4/24/2022</a:t>
+              <a:t>4/27/2022</a:t>
             </a:fld>
             <a:endParaRPr lang="en-US"/>
           </a:p>
@@ -1983,7 +1983,7 @@
           <a:p>
             <a:fld id="{B28743B1-496D-4D3F-BDE4-2BF47561CF17}" type="datetimeFigureOut">
               <a:rPr lang="en-US" smtClean="0"/>
-              <a:t>4/24/2022</a:t>
+              <a:t>4/27/2022</a:t>
             </a:fld>
             <a:endParaRPr lang="en-US"/>
           </a:p>
@@ -2101,7 +2101,7 @@
           <a:p>
             <a:fld id="{B28743B1-496D-4D3F-BDE4-2BF47561CF17}" type="datetimeFigureOut">
               <a:rPr lang="en-US" smtClean="0"/>
-              <a:t>4/24/2022</a:t>
+              <a:t>4/27/2022</a:t>
             </a:fld>
             <a:endParaRPr lang="en-US"/>
           </a:p>
@@ -2272,7 +2272,7 @@
           <a:p>
             <a:fld id="{B28743B1-496D-4D3F-BDE4-2BF47561CF17}" type="datetimeFigureOut">
               <a:rPr lang="en-US" smtClean="0"/>
-              <a:t>4/24/2022</a:t>
+              <a:t>4/27/2022</a:t>
             </a:fld>
             <a:endParaRPr lang="en-US"/>
           </a:p>
@@ -2626,7 +2626,7 @@
           <a:p>
             <a:fld id="{B28743B1-496D-4D3F-BDE4-2BF47561CF17}" type="datetimeFigureOut">
               <a:rPr lang="en-US" smtClean="0"/>
-              <a:t>4/24/2022</a:t>
+              <a:t>4/27/2022</a:t>
             </a:fld>
             <a:endParaRPr lang="en-US"/>
           </a:p>
@@ -3008,7 +3008,7 @@
           <a:p>
             <a:fld id="{B28743B1-496D-4D3F-BDE4-2BF47561CF17}" type="datetimeFigureOut">
               <a:rPr lang="en-US" smtClean="0"/>
-              <a:t>4/24/2022</a:t>
+              <a:t>4/27/2022</a:t>
             </a:fld>
             <a:endParaRPr lang="en-US"/>
           </a:p>
@@ -3295,7 +3295,7 @@
           <a:p>
             <a:fld id="{B28743B1-496D-4D3F-BDE4-2BF47561CF17}" type="datetimeFigureOut">
               <a:rPr lang="en-US" smtClean="0"/>
-              <a:t>4/24/2022</a:t>
+              <a:t>4/27/2022</a:t>
             </a:fld>
             <a:endParaRPr lang="en-US"/>
           </a:p>
@@ -3886,7 +3886,7 @@
                 </a:solidFill>
                 <a:latin typeface="Candara "/>
               </a:rPr>
-              <a:t>Skin Cancer Classification and Melanoma Detection with Medical Assistance using Deep Learning </a:t>
+              <a:t>Skin Cancer Classification with Medical Assistance using Deep Learning </a:t>
             </a:r>
           </a:p>
         </p:txBody>
